--- a/src/Utilidades/Presentacion-plantilla.pptx
+++ b/src/Utilidades/Presentacion-plantilla.pptx
@@ -4,9 +4,6 @@
   <p:sldMasterIdLst>
     <p:sldMasterId id="2147483648" r:id="rId1"/>
   </p:sldMasterIdLst>
-  <p:sldIdLst>
-    <p:sldId id="256" r:id="rId2"/>
-  </p:sldIdLst>
   <p:sldSz cx="9144000" cy="6858000" type="screen4x3"/>
   <p:notesSz cx="6858000" cy="9144000"/>
   <p:defaultTextStyle>
@@ -288,7 +285,7 @@
           <a:p>
             <a:fld id="{E18D44BE-723D-47A8-A3BB-C1DEB786C0BD}" type="datetimeFigureOut">
               <a:rPr lang="es-GT" smtClean="0"/>
-              <a:t>23/11/2016</a:t>
+              <a:t>27/11/2016</a:t>
             </a:fld>
             <a:endParaRPr lang="es-GT"/>
           </a:p>
@@ -541,7 +538,7 @@
           <a:p>
             <a:fld id="{E18D44BE-723D-47A8-A3BB-C1DEB786C0BD}" type="datetimeFigureOut">
               <a:rPr lang="es-GT" smtClean="0"/>
-              <a:t>23/11/2016</a:t>
+              <a:t>27/11/2016</a:t>
             </a:fld>
             <a:endParaRPr lang="es-GT"/>
           </a:p>
@@ -711,7 +708,7 @@
           <a:p>
             <a:fld id="{E18D44BE-723D-47A8-A3BB-C1DEB786C0BD}" type="datetimeFigureOut">
               <a:rPr lang="es-GT" smtClean="0"/>
-              <a:t>23/11/2016</a:t>
+              <a:t>27/11/2016</a:t>
             </a:fld>
             <a:endParaRPr lang="es-GT"/>
           </a:p>
@@ -891,7 +888,7 @@
           <a:p>
             <a:fld id="{E18D44BE-723D-47A8-A3BB-C1DEB786C0BD}" type="datetimeFigureOut">
               <a:rPr lang="es-GT" smtClean="0"/>
-              <a:t>23/11/2016</a:t>
+              <a:t>27/11/2016</a:t>
             </a:fld>
             <a:endParaRPr lang="es-GT"/>
           </a:p>
@@ -986,7 +983,11 @@
           </a:bodyPr>
           <a:lstStyle>
             <a:lvl1pPr>
-              <a:defRPr sz="3600" baseline="0"/>
+              <a:defRPr sz="3600" baseline="0">
+                <a:solidFill>
+                  <a:schemeClr val="tx1"/>
+                </a:solidFill>
+              </a:defRPr>
             </a:lvl1pPr>
           </a:lstStyle>
           <a:p>
@@ -1015,7 +1016,7 @@
           <a:p>
             <a:fld id="{E18D44BE-723D-47A8-A3BB-C1DEB786C0BD}" type="datetimeFigureOut">
               <a:rPr lang="es-GT" smtClean="0"/>
-              <a:t>23/11/2016</a:t>
+              <a:t>27/11/2016</a:t>
             </a:fld>
             <a:endParaRPr lang="es-GT"/>
           </a:p>
@@ -1036,7 +1037,7 @@
           <a:bodyPr/>
           <a:lstStyle/>
           <a:p>
-            <a:endParaRPr lang="es-GT"/>
+            <a:endParaRPr lang="es-GT" dirty="0"/>
           </a:p>
         </p:txBody>
       </p:sp>
@@ -1075,7 +1076,7 @@
         </p:nvSpPr>
         <p:spPr>
           <a:xfrm>
-            <a:off x="539750" y="1484313"/>
+            <a:off x="611758" y="1484784"/>
             <a:ext cx="8064500" cy="431800"/>
           </a:xfrm>
         </p:spPr>
@@ -1117,7 +1118,173 @@
           <a:bodyPr/>
           <a:lstStyle/>
           <a:p>
-            <a:endParaRPr lang="es-GT"/>
+            <a:endParaRPr lang="es-GT" dirty="0"/>
+          </a:p>
+        </p:txBody>
+      </p:sp>
+      <p:sp>
+        <p:nvSpPr>
+          <p:cNvPr id="6" name="5 Rectángulo"/>
+          <p:cNvSpPr/>
+          <p:nvPr userDrawn="1"/>
+        </p:nvSpPr>
+        <p:spPr>
+          <a:xfrm>
+            <a:off x="0" y="0"/>
+            <a:ext cx="4644008" cy="332656"/>
+          </a:xfrm>
+          <a:prstGeom prst="rect">
+            <a:avLst/>
+          </a:prstGeom>
+          <a:solidFill>
+            <a:srgbClr val="4374DE"/>
+          </a:solidFill>
+          <a:ln>
+            <a:noFill/>
+          </a:ln>
+        </p:spPr>
+        <p:style>
+          <a:lnRef idx="2">
+            <a:schemeClr val="accent1">
+              <a:shade val="50000"/>
+            </a:schemeClr>
+          </a:lnRef>
+          <a:fillRef idx="1">
+            <a:schemeClr val="accent1"/>
+          </a:fillRef>
+          <a:effectRef idx="0">
+            <a:schemeClr val="accent1"/>
+          </a:effectRef>
+          <a:fontRef idx="minor">
+            <a:schemeClr val="lt1"/>
+          </a:fontRef>
+        </p:style>
+        <p:txBody>
+          <a:bodyPr rtlCol="0" anchor="ctr"/>
+          <a:lstStyle/>
+          <a:p>
+            <a:pPr algn="ctr"/>
+            <a:endParaRPr lang="es-GT"/>
+          </a:p>
+        </p:txBody>
+      </p:sp>
+      <p:sp>
+        <p:nvSpPr>
+          <p:cNvPr id="10" name="9 Rectángulo"/>
+          <p:cNvSpPr/>
+          <p:nvPr userDrawn="1"/>
+        </p:nvSpPr>
+        <p:spPr>
+          <a:xfrm>
+            <a:off x="4644008" y="0"/>
+            <a:ext cx="4499992" cy="332656"/>
+          </a:xfrm>
+          <a:prstGeom prst="rect">
+            <a:avLst/>
+          </a:prstGeom>
+          <a:solidFill>
+            <a:srgbClr val="CCD7F5"/>
+          </a:solidFill>
+          <a:ln>
+            <a:noFill/>
+          </a:ln>
+        </p:spPr>
+        <p:style>
+          <a:lnRef idx="2">
+            <a:schemeClr val="accent1">
+              <a:shade val="50000"/>
+            </a:schemeClr>
+          </a:lnRef>
+          <a:fillRef idx="1">
+            <a:schemeClr val="accent1"/>
+          </a:fillRef>
+          <a:effectRef idx="0">
+            <a:schemeClr val="accent1"/>
+          </a:effectRef>
+          <a:fontRef idx="minor">
+            <a:schemeClr val="lt1"/>
+          </a:fontRef>
+        </p:style>
+        <p:txBody>
+          <a:bodyPr rtlCol="0" anchor="ctr"/>
+          <a:lstStyle/>
+          <a:p>
+            <a:pPr algn="ctr"/>
+            <a:endParaRPr lang="es-GT"/>
+          </a:p>
+        </p:txBody>
+      </p:sp>
+      <p:sp>
+        <p:nvSpPr>
+          <p:cNvPr id="11" name="10 Marcador de texto"/>
+          <p:cNvSpPr>
+            <a:spLocks noGrp="1"/>
+          </p:cNvSpPr>
+          <p:nvPr>
+            <p:ph type="body" sz="quarter" idx="16"/>
+          </p:nvPr>
+        </p:nvSpPr>
+        <p:spPr>
+          <a:xfrm>
+            <a:off x="4644008" y="-25400"/>
+            <a:ext cx="4321175" cy="191728"/>
+          </a:xfrm>
+        </p:spPr>
+        <p:txBody>
+          <a:bodyPr>
+            <a:noAutofit/>
+          </a:bodyPr>
+          <a:lstStyle>
+            <a:lvl1pPr marL="0" indent="0" algn="r">
+              <a:buNone/>
+              <a:defRPr sz="1400" baseline="0">
+                <a:solidFill>
+                  <a:srgbClr val="4374DE"/>
+                </a:solidFill>
+                <a:latin typeface="Open Sans Condensed" pitchFamily="34" charset="0"/>
+              </a:defRPr>
+            </a:lvl1pPr>
+          </a:lstStyle>
+          <a:p>
+            <a:pPr lvl="0"/>
+            <a:endParaRPr lang="es-GT" dirty="0"/>
+          </a:p>
+        </p:txBody>
+      </p:sp>
+      <p:sp>
+        <p:nvSpPr>
+          <p:cNvPr id="12" name="10 Marcador de texto"/>
+          <p:cNvSpPr>
+            <a:spLocks noGrp="1"/>
+          </p:cNvSpPr>
+          <p:nvPr>
+            <p:ph type="body" sz="quarter" idx="17"/>
+          </p:nvPr>
+        </p:nvSpPr>
+        <p:spPr>
+          <a:xfrm>
+            <a:off x="0" y="0"/>
+            <a:ext cx="4321175" cy="191728"/>
+          </a:xfrm>
+        </p:spPr>
+        <p:txBody>
+          <a:bodyPr>
+            <a:noAutofit/>
+          </a:bodyPr>
+          <a:lstStyle>
+            <a:lvl1pPr marL="0" indent="0" algn="l">
+              <a:buNone/>
+              <a:defRPr sz="1400" baseline="0">
+                <a:solidFill>
+                  <a:schemeClr val="bg1"/>
+                </a:solidFill>
+                <a:latin typeface="Open Sans Condensed" pitchFamily="34" charset="0"/>
+              </a:defRPr>
+            </a:lvl1pPr>
+          </a:lstStyle>
+          <a:p>
+            <a:pPr lvl="0"/>
+            <a:endParaRPr lang="es-GT" dirty="0"/>
           </a:p>
         </p:txBody>
       </p:sp>
@@ -1243,7 +1410,7 @@
           <a:p>
             <a:fld id="{E18D44BE-723D-47A8-A3BB-C1DEB786C0BD}" type="datetimeFigureOut">
               <a:rPr lang="es-GT" smtClean="0"/>
-              <a:t>23/11/2016</a:t>
+              <a:t>27/11/2016</a:t>
             </a:fld>
             <a:endParaRPr lang="es-GT"/>
           </a:p>
@@ -1489,7 +1656,7 @@
           <a:p>
             <a:fld id="{E18D44BE-723D-47A8-A3BB-C1DEB786C0BD}" type="datetimeFigureOut">
               <a:rPr lang="es-GT" smtClean="0"/>
-              <a:t>23/11/2016</a:t>
+              <a:t>27/11/2016</a:t>
             </a:fld>
             <a:endParaRPr lang="es-GT"/>
           </a:p>
@@ -1777,7 +1944,7 @@
           <a:p>
             <a:fld id="{E18D44BE-723D-47A8-A3BB-C1DEB786C0BD}" type="datetimeFigureOut">
               <a:rPr lang="es-GT" smtClean="0"/>
-              <a:t>23/11/2016</a:t>
+              <a:t>27/11/2016</a:t>
             </a:fld>
             <a:endParaRPr lang="es-GT"/>
           </a:p>
@@ -2199,7 +2366,7 @@
           <a:p>
             <a:fld id="{E18D44BE-723D-47A8-A3BB-C1DEB786C0BD}" type="datetimeFigureOut">
               <a:rPr lang="es-GT" smtClean="0"/>
-              <a:t>23/11/2016</a:t>
+              <a:t>27/11/2016</a:t>
             </a:fld>
             <a:endParaRPr lang="es-GT"/>
           </a:p>
@@ -2317,7 +2484,7 @@
           <a:p>
             <a:fld id="{E18D44BE-723D-47A8-A3BB-C1DEB786C0BD}" type="datetimeFigureOut">
               <a:rPr lang="es-GT" smtClean="0"/>
-              <a:t>23/11/2016</a:t>
+              <a:t>27/11/2016</a:t>
             </a:fld>
             <a:endParaRPr lang="es-GT"/>
           </a:p>
@@ -2412,7 +2579,7 @@
           <a:p>
             <a:fld id="{E18D44BE-723D-47A8-A3BB-C1DEB786C0BD}" type="datetimeFigureOut">
               <a:rPr lang="es-GT" smtClean="0"/>
-              <a:t>23/11/2016</a:t>
+              <a:t>27/11/2016</a:t>
             </a:fld>
             <a:endParaRPr lang="es-GT"/>
           </a:p>
@@ -2689,7 +2856,7 @@
           <a:p>
             <a:fld id="{E18D44BE-723D-47A8-A3BB-C1DEB786C0BD}" type="datetimeFigureOut">
               <a:rPr lang="es-GT" smtClean="0"/>
-              <a:t>23/11/2016</a:t>
+              <a:t>27/11/2016</a:t>
             </a:fld>
             <a:endParaRPr lang="es-GT"/>
           </a:p>
@@ -2902,7 +3069,7 @@
           <a:p>
             <a:fld id="{E18D44BE-723D-47A8-A3BB-C1DEB786C0BD}" type="datetimeFigureOut">
               <a:rPr lang="es-GT" smtClean="0"/>
-              <a:t>23/11/2016</a:t>
+              <a:t>27/11/2016</a:t>
             </a:fld>
             <a:endParaRPr lang="es-GT"/>
           </a:p>
@@ -3261,74 +3428,6 @@
 </p:sldMaster>
 </file>
 
-<file path=ppt/slides/slide1.xml><?xml version="1.0" encoding="utf-8"?>
-<p:sld xmlns:a="http://schemas.openxmlformats.org/drawingml/2006/main" xmlns:r="http://schemas.openxmlformats.org/officeDocument/2006/relationships" xmlns:p="http://schemas.openxmlformats.org/presentationml/2006/main">
-  <p:cSld>
-    <p:spTree>
-      <p:nvGrpSpPr>
-        <p:cNvPr id="1" name=""/>
-        <p:cNvGrpSpPr/>
-        <p:nvPr/>
-      </p:nvGrpSpPr>
-      <p:grpSpPr>
-        <a:xfrm>
-          <a:off x="0" y="0"/>
-          <a:ext cx="0" cy="0"/>
-          <a:chOff x="0" y="0"/>
-          <a:chExt cx="0" cy="0"/>
-        </a:xfrm>
-      </p:grpSpPr>
-      <p:sp>
-        <p:nvSpPr>
-          <p:cNvPr id="2" name="1 Título"/>
-          <p:cNvSpPr>
-            <a:spLocks noGrp="1"/>
-          </p:cNvSpPr>
-          <p:nvPr>
-            <p:ph type="ctrTitle"/>
-          </p:nvPr>
-        </p:nvSpPr>
-        <p:spPr/>
-        <p:txBody>
-          <a:bodyPr/>
-          <a:lstStyle/>
-          <a:p>
-            <a:endParaRPr lang="es-GT"/>
-          </a:p>
-        </p:txBody>
-      </p:sp>
-      <p:sp>
-        <p:nvSpPr>
-          <p:cNvPr id="3" name="2 Subtítulo"/>
-          <p:cNvSpPr>
-            <a:spLocks noGrp="1"/>
-          </p:cNvSpPr>
-          <p:nvPr>
-            <p:ph type="subTitle" idx="1"/>
-          </p:nvPr>
-        </p:nvSpPr>
-        <p:spPr/>
-        <p:txBody>
-          <a:bodyPr/>
-          <a:lstStyle/>
-          <a:p>
-            <a:endParaRPr lang="es-GT"/>
-          </a:p>
-        </p:txBody>
-      </p:sp>
-    </p:spTree>
-    <p:extLst>
-      <p:ext uri="{BB962C8B-B14F-4D97-AF65-F5344CB8AC3E}">
-        <p14:creationId xmlns:p14="http://schemas.microsoft.com/office/powerpoint/2010/main" val="1160789077"/>
-      </p:ext>
-    </p:extLst>
-  </p:cSld>
-  <p:clrMapOvr>
-    <a:masterClrMapping/>
-  </p:clrMapOvr>
-</p:sld>
-</file>
-
 <file path=ppt/theme/theme1.xml><?xml version="1.0" encoding="utf-8"?>
 <a:theme xmlns:a="http://schemas.openxmlformats.org/drawingml/2006/main" name="Tema de Office">
   <a:themeElements>

--- a/src/Utilidades/Presentacion-plantilla.pptx
+++ b/src/Utilidades/Presentacion-plantilla.pptx
@@ -107,6 +107,34 @@
 <file path=ppt/slideLayouts/slideLayout1.xml><?xml version="1.0" encoding="utf-8"?>
 <p:sldLayout xmlns:a="http://schemas.openxmlformats.org/drawingml/2006/main" xmlns:r="http://schemas.openxmlformats.org/officeDocument/2006/relationships" xmlns:p="http://schemas.openxmlformats.org/presentationml/2006/main" type="title" preserve="1">
   <p:cSld name="Diapositiva de título">
+    <p:bg>
+      <p:bgPr>
+        <a:gradFill>
+          <a:gsLst>
+            <a:gs pos="0">
+              <a:schemeClr val="accent1">
+                <a:tint val="66000"/>
+                <a:satMod val="160000"/>
+              </a:schemeClr>
+            </a:gs>
+            <a:gs pos="9000">
+              <a:schemeClr val="accent1">
+                <a:tint val="44500"/>
+                <a:satMod val="160000"/>
+              </a:schemeClr>
+            </a:gs>
+            <a:gs pos="100000">
+              <a:schemeClr val="accent1">
+                <a:tint val="23500"/>
+                <a:satMod val="160000"/>
+              </a:schemeClr>
+            </a:gs>
+          </a:gsLst>
+          <a:lin ang="3000000" scaled="0"/>
+        </a:gradFill>
+        <a:effectLst/>
+      </p:bgPr>
+    </p:bg>
     <p:spTree>
       <p:nvGrpSpPr>
         <p:cNvPr id="1" name=""/>
@@ -268,9 +296,69 @@
           </a:p>
         </p:txBody>
       </p:sp>
-      <p:sp>
-        <p:nvSpPr>
-          <p:cNvPr id="4" name="3 Marcador de fecha"/>
+      <p:pic>
+        <p:nvPicPr>
+          <p:cNvPr id="9" name="8 Imagen"/>
+          <p:cNvPicPr>
+            <a:picLocks noChangeAspect="1"/>
+          </p:cNvPicPr>
+          <p:nvPr userDrawn="1"/>
+        </p:nvPicPr>
+        <p:blipFill>
+          <a:blip r:embed="rId2" cstate="print">
+            <a:extLst>
+              <a:ext uri="{28A0092B-C50C-407E-A947-70E740481C1C}">
+                <a14:useLocalDpi xmlns:a14="http://schemas.microsoft.com/office/drawing/2010/main" val="0"/>
+              </a:ext>
+            </a:extLst>
+          </a:blip>
+          <a:stretch>
+            <a:fillRect/>
+          </a:stretch>
+        </p:blipFill>
+        <p:spPr>
+          <a:xfrm>
+            <a:off x="7524328" y="205394"/>
+            <a:ext cx="1202936" cy="1172204"/>
+          </a:xfrm>
+          <a:prstGeom prst="rect">
+            <a:avLst/>
+          </a:prstGeom>
+        </p:spPr>
+      </p:pic>
+      <p:pic>
+        <p:nvPicPr>
+          <p:cNvPr id="10" name="9 Imagen"/>
+          <p:cNvPicPr>
+            <a:picLocks noChangeAspect="1"/>
+          </p:cNvPicPr>
+          <p:nvPr userDrawn="1"/>
+        </p:nvPicPr>
+        <p:blipFill>
+          <a:blip r:embed="rId3" cstate="print">
+            <a:extLst>
+              <a:ext uri="{28A0092B-C50C-407E-A947-70E740481C1C}">
+                <a14:useLocalDpi xmlns:a14="http://schemas.microsoft.com/office/drawing/2010/main" val="0"/>
+              </a:ext>
+            </a:extLst>
+          </a:blip>
+          <a:stretch>
+            <a:fillRect/>
+          </a:stretch>
+        </p:blipFill>
+        <p:spPr>
+          <a:xfrm>
+            <a:off x="323528" y="299546"/>
+            <a:ext cx="1080120" cy="1052751"/>
+          </a:xfrm>
+          <a:prstGeom prst="rect">
+            <a:avLst/>
+          </a:prstGeom>
+        </p:spPr>
+      </p:pic>
+      <p:sp>
+        <p:nvSpPr>
+          <p:cNvPr id="11" name="10 Marcador de fecha"/>
           <p:cNvSpPr>
             <a:spLocks noGrp="1"/>
           </p:cNvSpPr>
@@ -285,7 +373,7 @@
           <a:p>
             <a:fld id="{E18D44BE-723D-47A8-A3BB-C1DEB786C0BD}" type="datetimeFigureOut">
               <a:rPr lang="es-GT" smtClean="0"/>
-              <a:t>27/11/2016</a:t>
+              <a:t>29/11/2016</a:t>
             </a:fld>
             <a:endParaRPr lang="es-GT"/>
           </a:p>
@@ -293,7 +381,7 @@
       </p:sp>
       <p:sp>
         <p:nvSpPr>
-          <p:cNvPr id="5" name="4 Marcador de pie de página"/>
+          <p:cNvPr id="12" name="11 Marcador de pie de página"/>
           <p:cNvSpPr>
             <a:spLocks noGrp="1"/>
           </p:cNvSpPr>
@@ -312,7 +400,7 @@
       </p:sp>
       <p:sp>
         <p:nvSpPr>
-          <p:cNvPr id="6" name="5 Marcador de número de diapositiva"/>
+          <p:cNvPr id="13" name="12 Marcador de número de diapositiva"/>
           <p:cNvSpPr>
             <a:spLocks noGrp="1"/>
           </p:cNvSpPr>
@@ -538,7 +626,7 @@
           <a:p>
             <a:fld id="{E18D44BE-723D-47A8-A3BB-C1DEB786C0BD}" type="datetimeFigureOut">
               <a:rPr lang="es-GT" smtClean="0"/>
-              <a:t>27/11/2016</a:t>
+              <a:t>29/11/2016</a:t>
             </a:fld>
             <a:endParaRPr lang="es-GT"/>
           </a:p>
@@ -708,7 +796,7 @@
           <a:p>
             <a:fld id="{E18D44BE-723D-47A8-A3BB-C1DEB786C0BD}" type="datetimeFigureOut">
               <a:rPr lang="es-GT" smtClean="0"/>
-              <a:t>27/11/2016</a:t>
+              <a:t>29/11/2016</a:t>
             </a:fld>
             <a:endParaRPr lang="es-GT"/>
           </a:p>
@@ -888,7 +976,7 @@
           <a:p>
             <a:fld id="{E18D44BE-723D-47A8-A3BB-C1DEB786C0BD}" type="datetimeFigureOut">
               <a:rPr lang="es-GT" smtClean="0"/>
-              <a:t>27/11/2016</a:t>
+              <a:t>29/11/2016</a:t>
             </a:fld>
             <a:endParaRPr lang="es-GT"/>
           </a:p>
@@ -1016,7 +1104,7 @@
           <a:p>
             <a:fld id="{E18D44BE-723D-47A8-A3BB-C1DEB786C0BD}" type="datetimeFigureOut">
               <a:rPr lang="es-GT" smtClean="0"/>
-              <a:t>27/11/2016</a:t>
+              <a:t>29/11/2016</a:t>
             </a:fld>
             <a:endParaRPr lang="es-GT"/>
           </a:p>
@@ -1302,6 +1390,180 @@
 </file>
 
 <file path=ppt/slideLayouts/slideLayout3.xml><?xml version="1.0" encoding="utf-8"?>
+<p:sldLayout xmlns:a="http://schemas.openxmlformats.org/drawingml/2006/main" xmlns:r="http://schemas.openxmlformats.org/officeDocument/2006/relationships" xmlns:p="http://schemas.openxmlformats.org/presentationml/2006/main" preserve="1" userDrawn="1">
+  <p:cSld name="Encabezado de sección">
+    <p:bg>
+      <p:bgPr>
+        <a:gradFill>
+          <a:gsLst>
+            <a:gs pos="0">
+              <a:schemeClr val="accent1">
+                <a:tint val="66000"/>
+                <a:satMod val="160000"/>
+              </a:schemeClr>
+            </a:gs>
+            <a:gs pos="15000">
+              <a:schemeClr val="accent1">
+                <a:tint val="44500"/>
+                <a:satMod val="160000"/>
+              </a:schemeClr>
+            </a:gs>
+            <a:gs pos="100000">
+              <a:schemeClr val="accent1">
+                <a:tint val="23500"/>
+                <a:satMod val="160000"/>
+              </a:schemeClr>
+            </a:gs>
+          </a:gsLst>
+          <a:lin ang="5400000" scaled="0"/>
+        </a:gradFill>
+        <a:effectLst/>
+      </p:bgPr>
+    </p:bg>
+    <p:spTree>
+      <p:nvGrpSpPr>
+        <p:cNvPr id="1" name=""/>
+        <p:cNvGrpSpPr/>
+        <p:nvPr/>
+      </p:nvGrpSpPr>
+      <p:grpSpPr>
+        <a:xfrm>
+          <a:off x="0" y="0"/>
+          <a:ext cx="0" cy="0"/>
+          <a:chOff x="0" y="0"/>
+          <a:chExt cx="0" cy="0"/>
+        </a:xfrm>
+      </p:grpSpPr>
+      <p:sp>
+        <p:nvSpPr>
+          <p:cNvPr id="7" name="6 Título"/>
+          <p:cNvSpPr>
+            <a:spLocks noGrp="1"/>
+          </p:cNvSpPr>
+          <p:nvPr>
+            <p:ph type="title"/>
+          </p:nvPr>
+        </p:nvSpPr>
+        <p:spPr>
+          <a:xfrm>
+            <a:off x="395536" y="2132856"/>
+            <a:ext cx="8229600" cy="1143000"/>
+          </a:xfrm>
+        </p:spPr>
+        <p:txBody>
+          <a:bodyPr/>
+          <a:lstStyle/>
+          <a:p>
+            <a:r>
+              <a:rPr lang="es-ES" dirty="0" smtClean="0"/>
+              <a:t>Haga clic para modificar el estilo de título del patrón</a:t>
+            </a:r>
+            <a:endParaRPr lang="es-GT" dirty="0"/>
+          </a:p>
+        </p:txBody>
+      </p:sp>
+    </p:spTree>
+    <p:extLst>
+      <p:ext uri="{BB962C8B-B14F-4D97-AF65-F5344CB8AC3E}">
+        <p14:creationId xmlns:p14="http://schemas.microsoft.com/office/powerpoint/2010/main" val="3401706026"/>
+      </p:ext>
+    </p:extLst>
+  </p:cSld>
+  <p:clrMapOvr>
+    <a:masterClrMapping/>
+  </p:clrMapOvr>
+</p:sldLayout>
+</file>
+
+<file path=ppt/slideLayouts/slideLayout4.xml><?xml version="1.0" encoding="utf-8"?>
+<p:sldLayout xmlns:a="http://schemas.openxmlformats.org/drawingml/2006/main" xmlns:r="http://schemas.openxmlformats.org/officeDocument/2006/relationships" xmlns:p="http://schemas.openxmlformats.org/presentationml/2006/main" preserve="1" userDrawn="1">
+  <p:cSld name="Sólo el título">
+    <p:spTree>
+      <p:nvGrpSpPr>
+        <p:cNvPr id="1" name=""/>
+        <p:cNvGrpSpPr/>
+        <p:nvPr/>
+      </p:nvGrpSpPr>
+      <p:grpSpPr>
+        <a:xfrm>
+          <a:off x="0" y="0"/>
+          <a:ext cx="0" cy="0"/>
+          <a:chOff x="0" y="0"/>
+          <a:chExt cx="0" cy="0"/>
+        </a:xfrm>
+      </p:grpSpPr>
+      <p:sp>
+        <p:nvSpPr>
+          <p:cNvPr id="2" name="1 Título"/>
+          <p:cNvSpPr>
+            <a:spLocks noGrp="1"/>
+          </p:cNvSpPr>
+          <p:nvPr>
+            <p:ph type="title"/>
+          </p:nvPr>
+        </p:nvSpPr>
+        <p:spPr>
+          <a:xfrm>
+            <a:off x="395536" y="1340768"/>
+            <a:ext cx="8229600" cy="1143000"/>
+          </a:xfrm>
+        </p:spPr>
+        <p:txBody>
+          <a:bodyPr/>
+          <a:lstStyle/>
+          <a:p>
+            <a:r>
+              <a:rPr lang="es-ES" dirty="0" smtClean="0"/>
+              <a:t>Haga clic para modificar el estilo de título del patrón</a:t>
+            </a:r>
+            <a:endParaRPr lang="es-GT" dirty="0"/>
+          </a:p>
+        </p:txBody>
+      </p:sp>
+      <p:sp>
+        <p:nvSpPr>
+          <p:cNvPr id="7" name="6 Marcador de texto"/>
+          <p:cNvSpPr>
+            <a:spLocks noGrp="1"/>
+          </p:cNvSpPr>
+          <p:nvPr>
+            <p:ph type="body" sz="quarter" idx="10"/>
+          </p:nvPr>
+        </p:nvSpPr>
+        <p:spPr>
+          <a:xfrm>
+            <a:off x="467544" y="2924175"/>
+            <a:ext cx="8064896" cy="2161009"/>
+          </a:xfrm>
+        </p:spPr>
+        <p:txBody>
+          <a:bodyPr/>
+          <a:lstStyle>
+            <a:lvl1pPr marL="0" indent="0">
+              <a:buNone/>
+              <a:defRPr/>
+            </a:lvl1pPr>
+          </a:lstStyle>
+          <a:p>
+            <a:pPr lvl="0"/>
+            <a:endParaRPr lang="es-GT" dirty="0"/>
+          </a:p>
+        </p:txBody>
+      </p:sp>
+    </p:spTree>
+    <p:extLst>
+      <p:ext uri="{BB962C8B-B14F-4D97-AF65-F5344CB8AC3E}">
+        <p14:creationId xmlns:p14="http://schemas.microsoft.com/office/powerpoint/2010/main" val="4105833960"/>
+      </p:ext>
+    </p:extLst>
+  </p:cSld>
+  <p:clrMapOvr>
+    <a:masterClrMapping/>
+  </p:clrMapOvr>
+</p:sldLayout>
+</file>
+
+<file path=ppt/slideLayouts/slideLayout5.xml><?xml version="1.0" encoding="utf-8"?>
 <p:sldLayout xmlns:a="http://schemas.openxmlformats.org/drawingml/2006/main" xmlns:r="http://schemas.openxmlformats.org/officeDocument/2006/relationships" xmlns:p="http://schemas.openxmlformats.org/presentationml/2006/main" type="obj" preserve="1">
   <p:cSld name="Título y objetos">
     <p:spTree>
@@ -1410,7 +1672,7 @@
           <a:p>
             <a:fld id="{E18D44BE-723D-47A8-A3BB-C1DEB786C0BD}" type="datetimeFigureOut">
               <a:rPr lang="es-GT" smtClean="0"/>
-              <a:t>27/11/2016</a:t>
+              <a:t>29/11/2016</a:t>
             </a:fld>
             <a:endParaRPr lang="es-GT"/>
           </a:p>
@@ -1471,253 +1733,7 @@
 </p:sldLayout>
 </file>
 
-<file path=ppt/slideLayouts/slideLayout4.xml><?xml version="1.0" encoding="utf-8"?>
-<p:sldLayout xmlns:a="http://schemas.openxmlformats.org/drawingml/2006/main" xmlns:r="http://schemas.openxmlformats.org/officeDocument/2006/relationships" xmlns:p="http://schemas.openxmlformats.org/presentationml/2006/main" type="secHead" preserve="1">
-  <p:cSld name="Encabezado de sección">
-    <p:spTree>
-      <p:nvGrpSpPr>
-        <p:cNvPr id="1" name=""/>
-        <p:cNvGrpSpPr/>
-        <p:nvPr/>
-      </p:nvGrpSpPr>
-      <p:grpSpPr>
-        <a:xfrm>
-          <a:off x="0" y="0"/>
-          <a:ext cx="0" cy="0"/>
-          <a:chOff x="0" y="0"/>
-          <a:chExt cx="0" cy="0"/>
-        </a:xfrm>
-      </p:grpSpPr>
-      <p:sp>
-        <p:nvSpPr>
-          <p:cNvPr id="2" name="1 Título"/>
-          <p:cNvSpPr>
-            <a:spLocks noGrp="1"/>
-          </p:cNvSpPr>
-          <p:nvPr>
-            <p:ph type="title"/>
-          </p:nvPr>
-        </p:nvSpPr>
-        <p:spPr>
-          <a:xfrm>
-            <a:off x="722313" y="4406900"/>
-            <a:ext cx="7772400" cy="1362075"/>
-          </a:xfrm>
-        </p:spPr>
-        <p:txBody>
-          <a:bodyPr anchor="t"/>
-          <a:lstStyle>
-            <a:lvl1pPr algn="l">
-              <a:defRPr sz="4000" b="1" cap="all"/>
-            </a:lvl1pPr>
-          </a:lstStyle>
-          <a:p>
-            <a:r>
-              <a:rPr lang="es-ES" smtClean="0"/>
-              <a:t>Haga clic para modificar el estilo de título del patrón</a:t>
-            </a:r>
-            <a:endParaRPr lang="es-GT"/>
-          </a:p>
-        </p:txBody>
-      </p:sp>
-      <p:sp>
-        <p:nvSpPr>
-          <p:cNvPr id="3" name="2 Marcador de texto"/>
-          <p:cNvSpPr>
-            <a:spLocks noGrp="1"/>
-          </p:cNvSpPr>
-          <p:nvPr>
-            <p:ph type="body" idx="1"/>
-          </p:nvPr>
-        </p:nvSpPr>
-        <p:spPr>
-          <a:xfrm>
-            <a:off x="722313" y="2906713"/>
-            <a:ext cx="7772400" cy="1500187"/>
-          </a:xfrm>
-        </p:spPr>
-        <p:txBody>
-          <a:bodyPr anchor="b"/>
-          <a:lstStyle>
-            <a:lvl1pPr marL="0" indent="0">
-              <a:buNone/>
-              <a:defRPr sz="2000">
-                <a:solidFill>
-                  <a:schemeClr val="tx1">
-                    <a:tint val="75000"/>
-                  </a:schemeClr>
-                </a:solidFill>
-              </a:defRPr>
-            </a:lvl1pPr>
-            <a:lvl2pPr marL="457200" indent="0">
-              <a:buNone/>
-              <a:defRPr sz="1800">
-                <a:solidFill>
-                  <a:schemeClr val="tx1">
-                    <a:tint val="75000"/>
-                  </a:schemeClr>
-                </a:solidFill>
-              </a:defRPr>
-            </a:lvl2pPr>
-            <a:lvl3pPr marL="914400" indent="0">
-              <a:buNone/>
-              <a:defRPr sz="1600">
-                <a:solidFill>
-                  <a:schemeClr val="tx1">
-                    <a:tint val="75000"/>
-                  </a:schemeClr>
-                </a:solidFill>
-              </a:defRPr>
-            </a:lvl3pPr>
-            <a:lvl4pPr marL="1371600" indent="0">
-              <a:buNone/>
-              <a:defRPr sz="1400">
-                <a:solidFill>
-                  <a:schemeClr val="tx1">
-                    <a:tint val="75000"/>
-                  </a:schemeClr>
-                </a:solidFill>
-              </a:defRPr>
-            </a:lvl4pPr>
-            <a:lvl5pPr marL="1828800" indent="0">
-              <a:buNone/>
-              <a:defRPr sz="1400">
-                <a:solidFill>
-                  <a:schemeClr val="tx1">
-                    <a:tint val="75000"/>
-                  </a:schemeClr>
-                </a:solidFill>
-              </a:defRPr>
-            </a:lvl5pPr>
-            <a:lvl6pPr marL="2286000" indent="0">
-              <a:buNone/>
-              <a:defRPr sz="1400">
-                <a:solidFill>
-                  <a:schemeClr val="tx1">
-                    <a:tint val="75000"/>
-                  </a:schemeClr>
-                </a:solidFill>
-              </a:defRPr>
-            </a:lvl6pPr>
-            <a:lvl7pPr marL="2743200" indent="0">
-              <a:buNone/>
-              <a:defRPr sz="1400">
-                <a:solidFill>
-                  <a:schemeClr val="tx1">
-                    <a:tint val="75000"/>
-                  </a:schemeClr>
-                </a:solidFill>
-              </a:defRPr>
-            </a:lvl7pPr>
-            <a:lvl8pPr marL="3200400" indent="0">
-              <a:buNone/>
-              <a:defRPr sz="1400">
-                <a:solidFill>
-                  <a:schemeClr val="tx1">
-                    <a:tint val="75000"/>
-                  </a:schemeClr>
-                </a:solidFill>
-              </a:defRPr>
-            </a:lvl8pPr>
-            <a:lvl9pPr marL="3657600" indent="0">
-              <a:buNone/>
-              <a:defRPr sz="1400">
-                <a:solidFill>
-                  <a:schemeClr val="tx1">
-                    <a:tint val="75000"/>
-                  </a:schemeClr>
-                </a:solidFill>
-              </a:defRPr>
-            </a:lvl9pPr>
-          </a:lstStyle>
-          <a:p>
-            <a:pPr lvl="0"/>
-            <a:r>
-              <a:rPr lang="es-ES" smtClean="0"/>
-              <a:t>Haga clic para modificar el estilo de texto del patrón</a:t>
-            </a:r>
-          </a:p>
-        </p:txBody>
-      </p:sp>
-      <p:sp>
-        <p:nvSpPr>
-          <p:cNvPr id="4" name="3 Marcador de fecha"/>
-          <p:cNvSpPr>
-            <a:spLocks noGrp="1"/>
-          </p:cNvSpPr>
-          <p:nvPr>
-            <p:ph type="dt" sz="half" idx="10"/>
-          </p:nvPr>
-        </p:nvSpPr>
-        <p:spPr/>
-        <p:txBody>
-          <a:bodyPr/>
-          <a:lstStyle/>
-          <a:p>
-            <a:fld id="{E18D44BE-723D-47A8-A3BB-C1DEB786C0BD}" type="datetimeFigureOut">
-              <a:rPr lang="es-GT" smtClean="0"/>
-              <a:t>27/11/2016</a:t>
-            </a:fld>
-            <a:endParaRPr lang="es-GT"/>
-          </a:p>
-        </p:txBody>
-      </p:sp>
-      <p:sp>
-        <p:nvSpPr>
-          <p:cNvPr id="5" name="4 Marcador de pie de página"/>
-          <p:cNvSpPr>
-            <a:spLocks noGrp="1"/>
-          </p:cNvSpPr>
-          <p:nvPr>
-            <p:ph type="ftr" sz="quarter" idx="11"/>
-          </p:nvPr>
-        </p:nvSpPr>
-        <p:spPr/>
-        <p:txBody>
-          <a:bodyPr/>
-          <a:lstStyle/>
-          <a:p>
-            <a:endParaRPr lang="es-GT"/>
-          </a:p>
-        </p:txBody>
-      </p:sp>
-      <p:sp>
-        <p:nvSpPr>
-          <p:cNvPr id="6" name="5 Marcador de número de diapositiva"/>
-          <p:cNvSpPr>
-            <a:spLocks noGrp="1"/>
-          </p:cNvSpPr>
-          <p:nvPr>
-            <p:ph type="sldNum" sz="quarter" idx="12"/>
-          </p:nvPr>
-        </p:nvSpPr>
-        <p:spPr/>
-        <p:txBody>
-          <a:bodyPr/>
-          <a:lstStyle/>
-          <a:p>
-            <a:fld id="{A801F16B-5A8A-4020-AB7D-55D1C75925E4}" type="slidenum">
-              <a:rPr lang="es-GT" smtClean="0"/>
-              <a:t>‹Nº›</a:t>
-            </a:fld>
-            <a:endParaRPr lang="es-GT"/>
-          </a:p>
-        </p:txBody>
-      </p:sp>
-    </p:spTree>
-    <p:extLst>
-      <p:ext uri="{BB962C8B-B14F-4D97-AF65-F5344CB8AC3E}">
-        <p14:creationId xmlns:p14="http://schemas.microsoft.com/office/powerpoint/2010/main" val="3401706026"/>
-      </p:ext>
-    </p:extLst>
-  </p:cSld>
-  <p:clrMapOvr>
-    <a:masterClrMapping/>
-  </p:clrMapOvr>
-</p:sldLayout>
-</file>
-
-<file path=ppt/slideLayouts/slideLayout5.xml><?xml version="1.0" encoding="utf-8"?>
+<file path=ppt/slideLayouts/slideLayout6.xml><?xml version="1.0" encoding="utf-8"?>
 <p:sldLayout xmlns:a="http://schemas.openxmlformats.org/drawingml/2006/main" xmlns:r="http://schemas.openxmlformats.org/officeDocument/2006/relationships" xmlns:p="http://schemas.openxmlformats.org/presentationml/2006/main" type="twoObj" preserve="1">
   <p:cSld name="Dos objetos">
     <p:spTree>
@@ -1944,7 +1960,7 @@
           <a:p>
             <a:fld id="{E18D44BE-723D-47A8-A3BB-C1DEB786C0BD}" type="datetimeFigureOut">
               <a:rPr lang="es-GT" smtClean="0"/>
-              <a:t>27/11/2016</a:t>
+              <a:t>29/11/2016</a:t>
             </a:fld>
             <a:endParaRPr lang="es-GT"/>
           </a:p>
@@ -2005,7 +2021,7 @@
 </p:sldLayout>
 </file>
 
-<file path=ppt/slideLayouts/slideLayout6.xml><?xml version="1.0" encoding="utf-8"?>
+<file path=ppt/slideLayouts/slideLayout7.xml><?xml version="1.0" encoding="utf-8"?>
 <p:sldLayout xmlns:a="http://schemas.openxmlformats.org/drawingml/2006/main" xmlns:r="http://schemas.openxmlformats.org/officeDocument/2006/relationships" xmlns:p="http://schemas.openxmlformats.org/presentationml/2006/main" type="twoTxTwoObj" preserve="1">
   <p:cSld name="Comparación">
     <p:spTree>
@@ -2366,7 +2382,7 @@
           <a:p>
             <a:fld id="{E18D44BE-723D-47A8-A3BB-C1DEB786C0BD}" type="datetimeFigureOut">
               <a:rPr lang="es-GT" smtClean="0"/>
-              <a:t>27/11/2016</a:t>
+              <a:t>29/11/2016</a:t>
             </a:fld>
             <a:endParaRPr lang="es-GT"/>
           </a:p>
@@ -2418,124 +2434,6 @@
     <p:extLst>
       <p:ext uri="{BB962C8B-B14F-4D97-AF65-F5344CB8AC3E}">
         <p14:creationId xmlns:p14="http://schemas.microsoft.com/office/powerpoint/2010/main" val="2039817291"/>
-      </p:ext>
-    </p:extLst>
-  </p:cSld>
-  <p:clrMapOvr>
-    <a:masterClrMapping/>
-  </p:clrMapOvr>
-</p:sldLayout>
-</file>
-
-<file path=ppt/slideLayouts/slideLayout7.xml><?xml version="1.0" encoding="utf-8"?>
-<p:sldLayout xmlns:a="http://schemas.openxmlformats.org/drawingml/2006/main" xmlns:r="http://schemas.openxmlformats.org/officeDocument/2006/relationships" xmlns:p="http://schemas.openxmlformats.org/presentationml/2006/main" type="titleOnly" preserve="1">
-  <p:cSld name="Sólo el título">
-    <p:spTree>
-      <p:nvGrpSpPr>
-        <p:cNvPr id="1" name=""/>
-        <p:cNvGrpSpPr/>
-        <p:nvPr/>
-      </p:nvGrpSpPr>
-      <p:grpSpPr>
-        <a:xfrm>
-          <a:off x="0" y="0"/>
-          <a:ext cx="0" cy="0"/>
-          <a:chOff x="0" y="0"/>
-          <a:chExt cx="0" cy="0"/>
-        </a:xfrm>
-      </p:grpSpPr>
-      <p:sp>
-        <p:nvSpPr>
-          <p:cNvPr id="2" name="1 Título"/>
-          <p:cNvSpPr>
-            <a:spLocks noGrp="1"/>
-          </p:cNvSpPr>
-          <p:nvPr>
-            <p:ph type="title"/>
-          </p:nvPr>
-        </p:nvSpPr>
-        <p:spPr/>
-        <p:txBody>
-          <a:bodyPr/>
-          <a:lstStyle/>
-          <a:p>
-            <a:r>
-              <a:rPr lang="es-ES" smtClean="0"/>
-              <a:t>Haga clic para modificar el estilo de título del patrón</a:t>
-            </a:r>
-            <a:endParaRPr lang="es-GT"/>
-          </a:p>
-        </p:txBody>
-      </p:sp>
-      <p:sp>
-        <p:nvSpPr>
-          <p:cNvPr id="3" name="2 Marcador de fecha"/>
-          <p:cNvSpPr>
-            <a:spLocks noGrp="1"/>
-          </p:cNvSpPr>
-          <p:nvPr>
-            <p:ph type="dt" sz="half" idx="10"/>
-          </p:nvPr>
-        </p:nvSpPr>
-        <p:spPr/>
-        <p:txBody>
-          <a:bodyPr/>
-          <a:lstStyle/>
-          <a:p>
-            <a:fld id="{E18D44BE-723D-47A8-A3BB-C1DEB786C0BD}" type="datetimeFigureOut">
-              <a:rPr lang="es-GT" smtClean="0"/>
-              <a:t>27/11/2016</a:t>
-            </a:fld>
-            <a:endParaRPr lang="es-GT"/>
-          </a:p>
-        </p:txBody>
-      </p:sp>
-      <p:sp>
-        <p:nvSpPr>
-          <p:cNvPr id="4" name="3 Marcador de pie de página"/>
-          <p:cNvSpPr>
-            <a:spLocks noGrp="1"/>
-          </p:cNvSpPr>
-          <p:nvPr>
-            <p:ph type="ftr" sz="quarter" idx="11"/>
-          </p:nvPr>
-        </p:nvSpPr>
-        <p:spPr/>
-        <p:txBody>
-          <a:bodyPr/>
-          <a:lstStyle/>
-          <a:p>
-            <a:endParaRPr lang="es-GT"/>
-          </a:p>
-        </p:txBody>
-      </p:sp>
-      <p:sp>
-        <p:nvSpPr>
-          <p:cNvPr id="5" name="4 Marcador de número de diapositiva"/>
-          <p:cNvSpPr>
-            <a:spLocks noGrp="1"/>
-          </p:cNvSpPr>
-          <p:nvPr>
-            <p:ph type="sldNum" sz="quarter" idx="12"/>
-          </p:nvPr>
-        </p:nvSpPr>
-        <p:spPr/>
-        <p:txBody>
-          <a:bodyPr/>
-          <a:lstStyle/>
-          <a:p>
-            <a:fld id="{A801F16B-5A8A-4020-AB7D-55D1C75925E4}" type="slidenum">
-              <a:rPr lang="es-GT" smtClean="0"/>
-              <a:t>‹Nº›</a:t>
-            </a:fld>
-            <a:endParaRPr lang="es-GT"/>
-          </a:p>
-        </p:txBody>
-      </p:sp>
-    </p:spTree>
-    <p:extLst>
-      <p:ext uri="{BB962C8B-B14F-4D97-AF65-F5344CB8AC3E}">
-        <p14:creationId xmlns:p14="http://schemas.microsoft.com/office/powerpoint/2010/main" val="4105833960"/>
       </p:ext>
     </p:extLst>
   </p:cSld>
@@ -2579,7 +2477,7 @@
           <a:p>
             <a:fld id="{E18D44BE-723D-47A8-A3BB-C1DEB786C0BD}" type="datetimeFigureOut">
               <a:rPr lang="es-GT" smtClean="0"/>
-              <a:t>27/11/2016</a:t>
+              <a:t>29/11/2016</a:t>
             </a:fld>
             <a:endParaRPr lang="es-GT"/>
           </a:p>
@@ -2856,7 +2754,7 @@
           <a:p>
             <a:fld id="{E18D44BE-723D-47A8-A3BB-C1DEB786C0BD}" type="datetimeFigureOut">
               <a:rPr lang="es-GT" smtClean="0"/>
-              <a:t>27/11/2016</a:t>
+              <a:t>29/11/2016</a:t>
             </a:fld>
             <a:endParaRPr lang="es-GT"/>
           </a:p>
@@ -3069,7 +2967,7 @@
           <a:p>
             <a:fld id="{E18D44BE-723D-47A8-A3BB-C1DEB786C0BD}" type="datetimeFigureOut">
               <a:rPr lang="es-GT" smtClean="0"/>
-              <a:t>27/11/2016</a:t>
+              <a:t>29/11/2016</a:t>
             </a:fld>
             <a:endParaRPr lang="es-GT"/>
           </a:p>
@@ -3164,11 +3062,11 @@
   <p:sldLayoutIdLst>
     <p:sldLayoutId id="2147483649" r:id="rId1"/>
     <p:sldLayoutId id="2147483660" r:id="rId2"/>
-    <p:sldLayoutId id="2147483650" r:id="rId3"/>
-    <p:sldLayoutId id="2147483651" r:id="rId4"/>
-    <p:sldLayoutId id="2147483652" r:id="rId5"/>
-    <p:sldLayoutId id="2147483653" r:id="rId6"/>
-    <p:sldLayoutId id="2147483654" r:id="rId7"/>
+    <p:sldLayoutId id="2147483651" r:id="rId3"/>
+    <p:sldLayoutId id="2147483654" r:id="rId4"/>
+    <p:sldLayoutId id="2147483650" r:id="rId5"/>
+    <p:sldLayoutId id="2147483652" r:id="rId6"/>
+    <p:sldLayoutId id="2147483653" r:id="rId7"/>
     <p:sldLayoutId id="2147483655" r:id="rId8"/>
     <p:sldLayoutId id="2147483656" r:id="rId9"/>
     <p:sldLayoutId id="2147483657" r:id="rId10"/>

--- a/src/Utilidades/Presentacion-plantilla.pptx
+++ b/src/Utilidades/Presentacion-plantilla.pptx
@@ -373,7 +373,7 @@
           <a:p>
             <a:fld id="{E18D44BE-723D-47A8-A3BB-C1DEB786C0BD}" type="datetimeFigureOut">
               <a:rPr lang="es-GT" smtClean="0"/>
-              <a:t>29/11/2016</a:t>
+              <a:t>30/11/2016</a:t>
             </a:fld>
             <a:endParaRPr lang="es-GT"/>
           </a:p>
@@ -626,7 +626,7 @@
           <a:p>
             <a:fld id="{E18D44BE-723D-47A8-A3BB-C1DEB786C0BD}" type="datetimeFigureOut">
               <a:rPr lang="es-GT" smtClean="0"/>
-              <a:t>29/11/2016</a:t>
+              <a:t>30/11/2016</a:t>
             </a:fld>
             <a:endParaRPr lang="es-GT"/>
           </a:p>
@@ -796,7 +796,7 @@
           <a:p>
             <a:fld id="{E18D44BE-723D-47A8-A3BB-C1DEB786C0BD}" type="datetimeFigureOut">
               <a:rPr lang="es-GT" smtClean="0"/>
-              <a:t>29/11/2016</a:t>
+              <a:t>30/11/2016</a:t>
             </a:fld>
             <a:endParaRPr lang="es-GT"/>
           </a:p>
@@ -976,7 +976,7 @@
           <a:p>
             <a:fld id="{E18D44BE-723D-47A8-A3BB-C1DEB786C0BD}" type="datetimeFigureOut">
               <a:rPr lang="es-GT" smtClean="0"/>
-              <a:t>29/11/2016</a:t>
+              <a:t>30/11/2016</a:t>
             </a:fld>
             <a:endParaRPr lang="es-GT"/>
           </a:p>
@@ -1104,7 +1104,7 @@
           <a:p>
             <a:fld id="{E18D44BE-723D-47A8-A3BB-C1DEB786C0BD}" type="datetimeFigureOut">
               <a:rPr lang="es-GT" smtClean="0"/>
-              <a:t>29/11/2016</a:t>
+              <a:t>30/11/2016</a:t>
             </a:fld>
             <a:endParaRPr lang="es-GT"/>
           </a:p>
@@ -1504,7 +1504,7 @@
         </p:nvSpPr>
         <p:spPr>
           <a:xfrm>
-            <a:off x="395536" y="1340768"/>
+            <a:off x="323528" y="260648"/>
             <a:ext cx="8229600" cy="1143000"/>
           </a:xfrm>
         </p:spPr>
@@ -1532,7 +1532,7 @@
         </p:nvSpPr>
         <p:spPr>
           <a:xfrm>
-            <a:off x="467544" y="2924175"/>
+            <a:off x="323528" y="1484784"/>
             <a:ext cx="8064896" cy="2161009"/>
           </a:xfrm>
         </p:spPr>
@@ -1672,7 +1672,7 @@
           <a:p>
             <a:fld id="{E18D44BE-723D-47A8-A3BB-C1DEB786C0BD}" type="datetimeFigureOut">
               <a:rPr lang="es-GT" smtClean="0"/>
-              <a:t>29/11/2016</a:t>
+              <a:t>30/11/2016</a:t>
             </a:fld>
             <a:endParaRPr lang="es-GT"/>
           </a:p>
@@ -1960,7 +1960,7 @@
           <a:p>
             <a:fld id="{E18D44BE-723D-47A8-A3BB-C1DEB786C0BD}" type="datetimeFigureOut">
               <a:rPr lang="es-GT" smtClean="0"/>
-              <a:t>29/11/2016</a:t>
+              <a:t>30/11/2016</a:t>
             </a:fld>
             <a:endParaRPr lang="es-GT"/>
           </a:p>
@@ -2382,7 +2382,7 @@
           <a:p>
             <a:fld id="{E18D44BE-723D-47A8-A3BB-C1DEB786C0BD}" type="datetimeFigureOut">
               <a:rPr lang="es-GT" smtClean="0"/>
-              <a:t>29/11/2016</a:t>
+              <a:t>30/11/2016</a:t>
             </a:fld>
             <a:endParaRPr lang="es-GT"/>
           </a:p>
@@ -2477,7 +2477,7 @@
           <a:p>
             <a:fld id="{E18D44BE-723D-47A8-A3BB-C1DEB786C0BD}" type="datetimeFigureOut">
               <a:rPr lang="es-GT" smtClean="0"/>
-              <a:t>29/11/2016</a:t>
+              <a:t>30/11/2016</a:t>
             </a:fld>
             <a:endParaRPr lang="es-GT"/>
           </a:p>
@@ -2754,7 +2754,7 @@
           <a:p>
             <a:fld id="{E18D44BE-723D-47A8-A3BB-C1DEB786C0BD}" type="datetimeFigureOut">
               <a:rPr lang="es-GT" smtClean="0"/>
-              <a:t>29/11/2016</a:t>
+              <a:t>30/11/2016</a:t>
             </a:fld>
             <a:endParaRPr lang="es-GT"/>
           </a:p>
@@ -2967,7 +2967,7 @@
           <a:p>
             <a:fld id="{E18D44BE-723D-47A8-A3BB-C1DEB786C0BD}" type="datetimeFigureOut">
               <a:rPr lang="es-GT" smtClean="0"/>
-              <a:t>29/11/2016</a:t>
+              <a:t>30/11/2016</a:t>
             </a:fld>
             <a:endParaRPr lang="es-GT"/>
           </a:p>
